--- a/board/2103박소영 게시판.pptx
+++ b/board/2103박소영 게시판.pptx
@@ -9,13 +9,12 @@
     <p:sldId id="257" r:id="rId3"/>
     <p:sldId id="258" r:id="rId4"/>
     <p:sldId id="259" r:id="rId5"/>
-    <p:sldId id="260" r:id="rId6"/>
-    <p:sldId id="261" r:id="rId7"/>
-    <p:sldId id="262" r:id="rId8"/>
-    <p:sldId id="263" r:id="rId9"/>
-    <p:sldId id="264" r:id="rId10"/>
-    <p:sldId id="265" r:id="rId11"/>
-    <p:sldId id="266" r:id="rId12"/>
+    <p:sldId id="261" r:id="rId6"/>
+    <p:sldId id="262" r:id="rId7"/>
+    <p:sldId id="263" r:id="rId8"/>
+    <p:sldId id="264" r:id="rId9"/>
+    <p:sldId id="265" r:id="rId10"/>
+    <p:sldId id="266" r:id="rId11"/>
   </p:sldIdLst>
   <p:sldSz cx="12192000" cy="6858000"/>
   <p:notesSz cx="6858000" cy="9144000"/>
@@ -114,6 +113,11 @@
       </a:defRPr>
     </a:lvl9pPr>
   </p:defaultTextStyle>
+  <p:extLst>
+    <p:ext uri="{EFAFB233-063F-42B5-8137-9DF3F51BA10A}">
+      <p15:sldGuideLst xmlns:p15="http://schemas.microsoft.com/office/powerpoint/2012/main"/>
+    </p:ext>
+  </p:extLst>
 </p:presentation>
 </file>
 
@@ -3366,15 +3370,33 @@
           <a:lstStyle/>
           <a:p>
             <a:r>
-              <a:rPr lang="ko-KR" altLang="en-US" dirty="0"/>
+              <a:rPr lang="ko-KR" altLang="en-US" dirty="0">
+                <a:solidFill>
+                  <a:srgbClr val="4D206E"/>
+                </a:solidFill>
+                <a:latin typeface="휴먼매직체" panose="02030504000101010101" pitchFamily="18" charset="-127"/>
+                <a:ea typeface="휴먼매직체" panose="02030504000101010101" pitchFamily="18" charset="-127"/>
+              </a:rPr>
               <a:t>게시판 </a:t>
             </a:r>
             <a:r>
-              <a:rPr lang="en-US" altLang="ko-KR" dirty="0"/>
+              <a:rPr lang="en-US" altLang="ko-KR" dirty="0">
+                <a:solidFill>
+                  <a:srgbClr val="4D206E"/>
+                </a:solidFill>
+                <a:latin typeface="휴먼매직체" panose="02030504000101010101" pitchFamily="18" charset="-127"/>
+                <a:ea typeface="휴먼매직체" panose="02030504000101010101" pitchFamily="18" charset="-127"/>
+              </a:rPr>
               <a:t>UI </a:t>
             </a:r>
             <a:r>
-              <a:rPr lang="ko-KR" altLang="en-US" dirty="0"/>
+              <a:rPr lang="ko-KR" altLang="en-US" dirty="0">
+                <a:solidFill>
+                  <a:srgbClr val="4D206E"/>
+                </a:solidFill>
+                <a:latin typeface="휴먼매직체" panose="02030504000101010101" pitchFamily="18" charset="-127"/>
+                <a:ea typeface="휴먼매직체" panose="02030504000101010101" pitchFamily="18" charset="-127"/>
+              </a:rPr>
               <a:t>구현</a:t>
             </a:r>
           </a:p>
@@ -3409,11 +3431,23 @@
           <a:lstStyle/>
           <a:p>
             <a:r>
-              <a:rPr lang="en-US" altLang="ko-KR" dirty="0"/>
+              <a:rPr lang="en-US" altLang="ko-KR" dirty="0">
+                <a:solidFill>
+                  <a:srgbClr val="7030A0"/>
+                </a:solidFill>
+                <a:latin typeface="휴먼매직체" panose="02030504000101010101" pitchFamily="18" charset="-127"/>
+                <a:ea typeface="휴먼매직체" panose="02030504000101010101" pitchFamily="18" charset="-127"/>
+              </a:rPr>
               <a:t>2103</a:t>
             </a:r>
             <a:r>
-              <a:rPr lang="ko-KR" altLang="en-US" dirty="0"/>
+              <a:rPr lang="ko-KR" altLang="en-US" dirty="0">
+                <a:solidFill>
+                  <a:srgbClr val="7030A0"/>
+                </a:solidFill>
+                <a:latin typeface="휴먼매직체" panose="02030504000101010101" pitchFamily="18" charset="-127"/>
+                <a:ea typeface="휴먼매직체" panose="02030504000101010101" pitchFamily="18" charset="-127"/>
+              </a:rPr>
               <a:t> 박소영</a:t>
             </a:r>
           </a:p>
@@ -3435,6 +3469,14 @@
 <file path=ppt/slides/slide10.xml><?xml version="1.0" encoding="utf-8"?>
 <p:sld xmlns:a="http://schemas.openxmlformats.org/drawingml/2006/main" xmlns:r="http://schemas.openxmlformats.org/officeDocument/2006/relationships" xmlns:p="http://schemas.openxmlformats.org/presentationml/2006/main">
   <p:cSld>
+    <p:bg>
+      <p:bgPr>
+        <a:solidFill>
+          <a:srgbClr val="F5F5F5"/>
+        </a:solidFill>
+        <a:effectLst/>
+      </p:bgPr>
+    </p:bg>
     <p:spTree>
       <p:nvGrpSpPr>
         <p:cNvPr id="1" name=""/>
@@ -3449,42 +3491,12 @@
           <a:chExt cx="0" cy="0"/>
         </a:xfrm>
       </p:grpSpPr>
-      <p:pic>
-        <p:nvPicPr>
-          <p:cNvPr id="4" name="그림 3">
-            <a:extLst>
-              <a:ext uri="{FF2B5EF4-FFF2-40B4-BE49-F238E27FC236}">
-                <a16:creationId xmlns:a16="http://schemas.microsoft.com/office/drawing/2014/main" id="{E22755C7-95AE-4F24-885F-88D7261CF63C}"/>
-              </a:ext>
-            </a:extLst>
-          </p:cNvPr>
-          <p:cNvPicPr>
-            <a:picLocks noChangeAspect="1"/>
-          </p:cNvPicPr>
-          <p:nvPr/>
-        </p:nvPicPr>
-        <p:blipFill>
-          <a:blip r:embed="rId2"/>
-          <a:stretch>
-            <a:fillRect/>
-          </a:stretch>
-        </p:blipFill>
-        <p:spPr>
-          <a:xfrm>
-            <a:off x="520916" y="1235373"/>
-            <a:ext cx="5187918" cy="2976478"/>
-          </a:xfrm>
-          <a:prstGeom prst="rect">
-            <a:avLst/>
-          </a:prstGeom>
-        </p:spPr>
-      </p:pic>
       <p:sp>
         <p:nvSpPr>
           <p:cNvPr id="2" name="제목 1">
             <a:extLst>
               <a:ext uri="{FF2B5EF4-FFF2-40B4-BE49-F238E27FC236}">
-                <a16:creationId xmlns:a16="http://schemas.microsoft.com/office/drawing/2014/main" id="{38E2AA90-96DB-4628-A2EF-87A25CF37ABD}"/>
+                <a16:creationId xmlns:a16="http://schemas.microsoft.com/office/drawing/2014/main" id="{83C2685F-2FDC-4874-B87F-1680503F3930}"/>
               </a:ext>
             </a:extLst>
           </p:cNvPr>
@@ -3497,258 +3509,55 @@
         </p:nvSpPr>
         <p:spPr>
           <a:xfrm>
-            <a:off x="242498" y="153683"/>
-            <a:ext cx="10515600" cy="871009"/>
-          </a:xfrm>
-        </p:spPr>
-        <p:txBody>
-          <a:bodyPr/>
-          <a:lstStyle/>
-          <a:p>
-            <a:r>
-              <a:rPr lang="ko-KR" altLang="en-US" dirty="0"/>
-              <a:t>게시판 삭제 </a:t>
-            </a:r>
-          </a:p>
-        </p:txBody>
-      </p:sp>
-      <p:pic>
-        <p:nvPicPr>
-          <p:cNvPr id="9" name="그림 8">
-            <a:extLst>
-              <a:ext uri="{FF2B5EF4-FFF2-40B4-BE49-F238E27FC236}">
-                <a16:creationId xmlns:a16="http://schemas.microsoft.com/office/drawing/2014/main" id="{198F8AF2-4C0B-47CF-9F58-58CA2DA31FD6}"/>
-              </a:ext>
-            </a:extLst>
-          </p:cNvPr>
-          <p:cNvPicPr>
-            <a:picLocks noChangeAspect="1"/>
-          </p:cNvPicPr>
-          <p:nvPr/>
-        </p:nvPicPr>
-        <p:blipFill>
-          <a:blip r:embed="rId3">
-            <a:extLst>
-              <a:ext uri="{BEBA8EAE-BF5A-486C-A8C5-ECC9F3942E4B}">
-                <a14:imgProps xmlns:a14="http://schemas.microsoft.com/office/drawing/2010/main">
-                  <a14:imgLayer r:embed="rId4">
-                    <a14:imgEffect>
-                      <a14:backgroundRemoval t="10000" b="90000" l="10000" r="90000">
-                        <a14:foregroundMark x1="18198" y1="19569" x2="23570" y2="26614"/>
-                        <a14:foregroundMark x1="33795" y1="13112" x2="33102" y2="22701"/>
-                        <a14:foregroundMark x1="48007" y1="19961" x2="41421" y2="26419"/>
-                        <a14:foregroundMark x1="18891" y1="37573" x2="18891" y2="37573"/>
-                        <a14:foregroundMark x1="22704" y1="48924" x2="22704" y2="48924"/>
-                      </a14:backgroundRemoval>
-                    </a14:imgEffect>
-                  </a14:imgLayer>
-                </a14:imgProps>
-              </a:ext>
-            </a:extLst>
-          </a:blip>
-          <a:stretch>
-            <a:fillRect/>
-          </a:stretch>
-        </p:blipFill>
-        <p:spPr>
-          <a:xfrm flipH="1">
-            <a:off x="4440607" y="3973941"/>
-            <a:ext cx="710619" cy="629335"/>
-          </a:xfrm>
-          <a:prstGeom prst="rect">
-            <a:avLst/>
-          </a:prstGeom>
-        </p:spPr>
-      </p:pic>
-      <p:pic>
-        <p:nvPicPr>
-          <p:cNvPr id="5" name="그림 4">
-            <a:extLst>
-              <a:ext uri="{FF2B5EF4-FFF2-40B4-BE49-F238E27FC236}">
-                <a16:creationId xmlns:a16="http://schemas.microsoft.com/office/drawing/2014/main" id="{3ADF0FBC-8A26-43CC-8FD8-9484EBA7A86B}"/>
-              </a:ext>
-            </a:extLst>
-          </p:cNvPr>
-          <p:cNvPicPr>
-            <a:picLocks noChangeAspect="1"/>
-          </p:cNvPicPr>
-          <p:nvPr/>
-        </p:nvPicPr>
-        <p:blipFill>
-          <a:blip r:embed="rId5"/>
-          <a:stretch>
-            <a:fillRect/>
-          </a:stretch>
-        </p:blipFill>
-        <p:spPr>
-          <a:xfrm>
-            <a:off x="288457" y="4211851"/>
-            <a:ext cx="4239217" cy="1276528"/>
-          </a:xfrm>
-          <a:prstGeom prst="rect">
-            <a:avLst/>
-          </a:prstGeom>
-        </p:spPr>
-      </p:pic>
-      <p:pic>
-        <p:nvPicPr>
-          <p:cNvPr id="10" name="그림 9">
-            <a:extLst>
-              <a:ext uri="{FF2B5EF4-FFF2-40B4-BE49-F238E27FC236}">
-                <a16:creationId xmlns:a16="http://schemas.microsoft.com/office/drawing/2014/main" id="{78158CE0-0851-4E19-992F-CA6620461BD5}"/>
-              </a:ext>
-            </a:extLst>
-          </p:cNvPr>
-          <p:cNvPicPr>
-            <a:picLocks noChangeAspect="1"/>
-          </p:cNvPicPr>
-          <p:nvPr/>
-        </p:nvPicPr>
-        <p:blipFill>
-          <a:blip r:embed="rId6"/>
-          <a:stretch>
-            <a:fillRect/>
-          </a:stretch>
-        </p:blipFill>
-        <p:spPr>
-          <a:xfrm>
-            <a:off x="5708834" y="4211851"/>
-            <a:ext cx="6194709" cy="1965447"/>
-          </a:xfrm>
-          <a:prstGeom prst="rect">
-            <a:avLst/>
-          </a:prstGeom>
-        </p:spPr>
-      </p:pic>
-      <p:sp>
-        <p:nvSpPr>
-          <p:cNvPr id="13" name="화살표: 위로 굽음 12">
-            <a:extLst>
-              <a:ext uri="{FF2B5EF4-FFF2-40B4-BE49-F238E27FC236}">
-                <a16:creationId xmlns:a16="http://schemas.microsoft.com/office/drawing/2014/main" id="{DA652C4F-0C7F-4DCC-B000-A5AA76965659}"/>
-              </a:ext>
-            </a:extLst>
-          </p:cNvPr>
-          <p:cNvSpPr/>
-          <p:nvPr/>
-        </p:nvSpPr>
-        <p:spPr>
-          <a:xfrm rot="10800000" flipH="1">
-            <a:off x="6096000" y="1595019"/>
-            <a:ext cx="4165360" cy="1712891"/>
-          </a:xfrm>
-          <a:prstGeom prst="bentUpArrow">
-            <a:avLst>
-              <a:gd name="adj1" fmla="val 25000"/>
-              <a:gd name="adj2" fmla="val 33763"/>
-              <a:gd name="adj3" fmla="val 25000"/>
-            </a:avLst>
-          </a:prstGeom>
-          <a:solidFill>
-            <a:srgbClr val="CBBFE9"/>
-          </a:solidFill>
-          <a:ln>
-            <a:solidFill>
-              <a:srgbClr val="7030A0"/>
-            </a:solidFill>
-          </a:ln>
-          <a:scene3d>
-            <a:camera prst="orthographicFront">
-              <a:rot lat="21299999" lon="21299994" rev="0"/>
-            </a:camera>
-            <a:lightRig rig="threePt" dir="t"/>
-          </a:scene3d>
-        </p:spPr>
-        <p:style>
-          <a:lnRef idx="2">
-            <a:schemeClr val="accent1">
-              <a:shade val="50000"/>
-            </a:schemeClr>
-          </a:lnRef>
-          <a:fillRef idx="1">
-            <a:schemeClr val="accent1"/>
-          </a:fillRef>
-          <a:effectRef idx="0">
-            <a:schemeClr val="accent1"/>
-          </a:effectRef>
-          <a:fontRef idx="minor">
-            <a:schemeClr val="lt1"/>
-          </a:fontRef>
-        </p:style>
-        <p:txBody>
-          <a:bodyPr rtlCol="0" anchor="ctr"/>
-          <a:lstStyle/>
-          <a:p>
-            <a:pPr algn="ctr"/>
-            <a:endParaRPr lang="ko-KR" altLang="en-US" dirty="0"/>
-          </a:p>
-        </p:txBody>
-      </p:sp>
-    </p:spTree>
-    <p:extLst>
-      <p:ext uri="{BB962C8B-B14F-4D97-AF65-F5344CB8AC3E}">
-        <p14:creationId xmlns:p14="http://schemas.microsoft.com/office/powerpoint/2010/main" val="4169128774"/>
-      </p:ext>
-    </p:extLst>
-  </p:cSld>
-  <p:clrMapOvr>
-    <a:masterClrMapping/>
-  </p:clrMapOvr>
-</p:sld>
-</file>
-
-<file path=ppt/slides/slide11.xml><?xml version="1.0" encoding="utf-8"?>
-<p:sld xmlns:a="http://schemas.openxmlformats.org/drawingml/2006/main" xmlns:r="http://schemas.openxmlformats.org/officeDocument/2006/relationships" xmlns:p="http://schemas.openxmlformats.org/presentationml/2006/main">
-  <p:cSld>
-    <p:spTree>
-      <p:nvGrpSpPr>
-        <p:cNvPr id="1" name=""/>
-        <p:cNvGrpSpPr/>
-        <p:nvPr/>
-      </p:nvGrpSpPr>
-      <p:grpSpPr>
-        <a:xfrm>
-          <a:off x="0" y="0"/>
-          <a:ext cx="0" cy="0"/>
-          <a:chOff x="0" y="0"/>
-          <a:chExt cx="0" cy="0"/>
-        </a:xfrm>
-      </p:grpSpPr>
-      <p:sp>
-        <p:nvSpPr>
-          <p:cNvPr id="2" name="제목 1">
-            <a:extLst>
-              <a:ext uri="{FF2B5EF4-FFF2-40B4-BE49-F238E27FC236}">
-                <a16:creationId xmlns:a16="http://schemas.microsoft.com/office/drawing/2014/main" id="{83C2685F-2FDC-4874-B87F-1680503F3930}"/>
-              </a:ext>
-            </a:extLst>
-          </p:cNvPr>
-          <p:cNvSpPr>
-            <a:spLocks noGrp="1"/>
-          </p:cNvSpPr>
-          <p:nvPr>
-            <p:ph type="title"/>
-          </p:nvPr>
-        </p:nvSpPr>
-        <p:spPr>
-          <a:xfrm>
-            <a:off x="4645089" y="2766218"/>
-            <a:ext cx="10515600" cy="1325563"/>
-          </a:xfrm>
-        </p:spPr>
-        <p:txBody>
-          <a:bodyPr/>
-          <a:lstStyle/>
-          <a:p>
-            <a:r>
-              <a:rPr lang="ko-KR" altLang="en-US" dirty="0"/>
+            <a:off x="3836825" y="2766218"/>
+            <a:ext cx="4518350" cy="1325563"/>
+          </a:xfrm>
+        </p:spPr>
+        <p:txBody>
+          <a:bodyPr>
+            <a:normAutofit fontScale="90000"/>
+          </a:bodyPr>
+          <a:lstStyle/>
+          <a:p>
+            <a:r>
+              <a:rPr lang="en-US" altLang="ko-KR" sz="6000" dirty="0">
+                <a:solidFill>
+                  <a:srgbClr val="7030A0"/>
+                </a:solidFill>
+                <a:latin typeface="휴먼매직체" panose="02030504000101010101" pitchFamily="18" charset="-127"/>
+                <a:ea typeface="휴먼매직체" panose="02030504000101010101" pitchFamily="18" charset="-127"/>
+                <a:sym typeface="Wingdings" panose="05000000000000000000" pitchFamily="2" charset="2"/>
+              </a:rPr>
+              <a:t></a:t>
+            </a:r>
+            <a:r>
+              <a:rPr lang="ko-KR" altLang="en-US" sz="6000" dirty="0">
+                <a:solidFill>
+                  <a:srgbClr val="7030A0"/>
+                </a:solidFill>
+                <a:latin typeface="휴먼매직체" panose="02030504000101010101" pitchFamily="18" charset="-127"/>
+                <a:ea typeface="휴먼매직체" panose="02030504000101010101" pitchFamily="18" charset="-127"/>
+              </a:rPr>
               <a:t>감사합니다</a:t>
             </a:r>
             <a:r>
-              <a:rPr lang="en-US" altLang="ko-KR" dirty="0"/>
-              <a:t>.</a:t>
-            </a:r>
-            <a:endParaRPr lang="ko-KR" altLang="en-US" dirty="0"/>
+              <a:rPr lang="en-US" altLang="ko-KR" sz="6000" dirty="0">
+                <a:solidFill>
+                  <a:srgbClr val="7030A0"/>
+                </a:solidFill>
+                <a:latin typeface="휴먼매직체" panose="02030504000101010101" pitchFamily="18" charset="-127"/>
+                <a:ea typeface="휴먼매직체" panose="02030504000101010101" pitchFamily="18" charset="-127"/>
+                <a:sym typeface="Wingdings" panose="05000000000000000000" pitchFamily="2" charset="2"/>
+              </a:rPr>
+              <a:t></a:t>
+            </a:r>
+            <a:endParaRPr lang="ko-KR" altLang="en-US" sz="6000" dirty="0">
+              <a:solidFill>
+                <a:srgbClr val="7030A0"/>
+              </a:solidFill>
+              <a:latin typeface="휴먼매직체" panose="02030504000101010101" pitchFamily="18" charset="-127"/>
+              <a:ea typeface="휴먼매직체" panose="02030504000101010101" pitchFamily="18" charset="-127"/>
+            </a:endParaRPr>
           </a:p>
         </p:txBody>
       </p:sp>
@@ -3817,7 +3626,13 @@
           <a:lstStyle/>
           <a:p>
             <a:r>
-              <a:rPr lang="ko-KR" altLang="en-US" dirty="0"/>
+              <a:rPr lang="ko-KR" altLang="en-US" dirty="0">
+                <a:solidFill>
+                  <a:srgbClr val="7030A0"/>
+                </a:solidFill>
+                <a:latin typeface="휴먼매직체" panose="02030504000101010101" pitchFamily="18" charset="-127"/>
+                <a:ea typeface="휴먼매직체" panose="02030504000101010101" pitchFamily="18" charset="-127"/>
+              </a:rPr>
               <a:t>홈 화면</a:t>
             </a:r>
           </a:p>
@@ -3853,6 +3668,64 @@
           </a:prstGeom>
         </p:spPr>
       </p:pic>
+      <p:sp>
+        <p:nvSpPr>
+          <p:cNvPr id="3" name="TextBox 2">
+            <a:extLst>
+              <a:ext uri="{FF2B5EF4-FFF2-40B4-BE49-F238E27FC236}">
+                <a16:creationId xmlns:a16="http://schemas.microsoft.com/office/drawing/2014/main" id="{0E16C29F-9E57-44FC-8BAA-FD7A0800C16C}"/>
+              </a:ext>
+            </a:extLst>
+          </p:cNvPr>
+          <p:cNvSpPr txBox="1"/>
+          <p:nvPr/>
+        </p:nvSpPr>
+        <p:spPr>
+          <a:xfrm>
+            <a:off x="1354665" y="5892800"/>
+            <a:ext cx="7229498" cy="523220"/>
+          </a:xfrm>
+          <a:prstGeom prst="rect">
+            <a:avLst/>
+          </a:prstGeom>
+          <a:noFill/>
+        </p:spPr>
+        <p:txBody>
+          <a:bodyPr wrap="square" rtlCol="0">
+            <a:spAutoFit/>
+          </a:bodyPr>
+          <a:lstStyle/>
+          <a:p>
+            <a:r>
+              <a:rPr lang="ko-KR" altLang="en-US" sz="2800" dirty="0">
+                <a:solidFill>
+                  <a:srgbClr val="7030A0"/>
+                </a:solidFill>
+                <a:latin typeface="휴먼매직체" panose="02030504000101010101" pitchFamily="18" charset="-127"/>
+                <a:ea typeface="휴먼매직체" panose="02030504000101010101" pitchFamily="18" charset="-127"/>
+              </a:rPr>
+              <a:t>홈 화면에서 게시판 사용법을 볼 수 있다</a:t>
+            </a:r>
+            <a:r>
+              <a:rPr lang="en-US" altLang="ko-KR" sz="2800" dirty="0">
+                <a:solidFill>
+                  <a:srgbClr val="7030A0"/>
+                </a:solidFill>
+                <a:latin typeface="휴먼매직체" panose="02030504000101010101" pitchFamily="18" charset="-127"/>
+                <a:ea typeface="휴먼매직체" panose="02030504000101010101" pitchFamily="18" charset="-127"/>
+              </a:rPr>
+              <a:t>.</a:t>
+            </a:r>
+            <a:endParaRPr lang="ko-KR" altLang="en-US" sz="2800" dirty="0">
+              <a:solidFill>
+                <a:srgbClr val="7030A0"/>
+              </a:solidFill>
+              <a:latin typeface="휴먼매직체" panose="02030504000101010101" pitchFamily="18" charset="-127"/>
+              <a:ea typeface="휴먼매직체" panose="02030504000101010101" pitchFamily="18" charset="-127"/>
+            </a:endParaRPr>
+          </a:p>
+        </p:txBody>
+      </p:sp>
     </p:spTree>
     <p:extLst>
       <p:ext uri="{BB962C8B-B14F-4D97-AF65-F5344CB8AC3E}">
@@ -3909,7 +3782,7 @@
         </p:nvSpPr>
         <p:spPr>
           <a:xfrm>
-            <a:off x="406400" y="94191"/>
+            <a:off x="287864" y="215905"/>
             <a:ext cx="10515600" cy="871009"/>
           </a:xfrm>
         </p:spPr>
@@ -3918,10 +3791,22 @@
           <a:lstStyle/>
           <a:p>
             <a:r>
-              <a:rPr lang="ko-KR" altLang="en-US" dirty="0" err="1"/>
+              <a:rPr lang="ko-KR" altLang="en-US" sz="5400" dirty="0" err="1">
+                <a:solidFill>
+                  <a:srgbClr val="7030A0"/>
+                </a:solidFill>
+                <a:latin typeface="휴먼매직체" panose="02030504000101010101" pitchFamily="18" charset="-127"/>
+                <a:ea typeface="휴먼매직체" panose="02030504000101010101" pitchFamily="18" charset="-127"/>
+              </a:rPr>
               <a:t>더보기</a:t>
             </a:r>
-            <a:endParaRPr lang="ko-KR" altLang="en-US" dirty="0"/>
+            <a:endParaRPr lang="ko-KR" altLang="en-US" dirty="0">
+              <a:solidFill>
+                <a:srgbClr val="7030A0"/>
+              </a:solidFill>
+              <a:latin typeface="휴먼매직체" panose="02030504000101010101" pitchFamily="18" charset="-127"/>
+              <a:ea typeface="휴먼매직체" panose="02030504000101010101" pitchFamily="18" charset="-127"/>
+            </a:endParaRPr>
           </a:p>
         </p:txBody>
       </p:sp>
@@ -4057,41 +3942,6 @@
           </a:fontRef>
         </p:style>
       </p:cxnSp>
-      <p:sp>
-        <p:nvSpPr>
-          <p:cNvPr id="9" name="TextBox 8">
-            <a:extLst>
-              <a:ext uri="{FF2B5EF4-FFF2-40B4-BE49-F238E27FC236}">
-                <a16:creationId xmlns:a16="http://schemas.microsoft.com/office/drawing/2014/main" id="{EDACB2D7-455D-4492-9C3E-381DA8FFC3D6}"/>
-              </a:ext>
-            </a:extLst>
-          </p:cNvPr>
-          <p:cNvSpPr txBox="1"/>
-          <p:nvPr/>
-        </p:nvSpPr>
-        <p:spPr>
-          <a:xfrm rot="1499310">
-            <a:off x="5839368" y="2029460"/>
-            <a:ext cx="702733" cy="369332"/>
-          </a:xfrm>
-          <a:prstGeom prst="rect">
-            <a:avLst/>
-          </a:prstGeom>
-          <a:noFill/>
-        </p:spPr>
-        <p:txBody>
-          <a:bodyPr wrap="square" rtlCol="0">
-            <a:spAutoFit/>
-          </a:bodyPr>
-          <a:lstStyle/>
-          <a:p>
-            <a:r>
-              <a:rPr lang="ko-KR" altLang="en-US" dirty="0"/>
-              <a:t>클릭</a:t>
-            </a:r>
-          </a:p>
-        </p:txBody>
-      </p:sp>
       <p:pic>
         <p:nvPicPr>
           <p:cNvPr id="10" name="그림 9">
@@ -4116,6 +3966,152 @@
           <a:xfrm>
             <a:off x="3510951" y="3313343"/>
             <a:ext cx="8594168" cy="1468411"/>
+          </a:xfrm>
+          <a:prstGeom prst="rect">
+            <a:avLst/>
+          </a:prstGeom>
+        </p:spPr>
+      </p:pic>
+      <p:sp>
+        <p:nvSpPr>
+          <p:cNvPr id="3" name="TextBox 2">
+            <a:extLst>
+              <a:ext uri="{FF2B5EF4-FFF2-40B4-BE49-F238E27FC236}">
+                <a16:creationId xmlns:a16="http://schemas.microsoft.com/office/drawing/2014/main" id="{3D3BDFD5-2084-46AC-8106-938364FF1C9A}"/>
+              </a:ext>
+            </a:extLst>
+          </p:cNvPr>
+          <p:cNvSpPr txBox="1"/>
+          <p:nvPr/>
+        </p:nvSpPr>
+        <p:spPr>
+          <a:xfrm>
+            <a:off x="287863" y="6210064"/>
+            <a:ext cx="10330373" cy="461665"/>
+          </a:xfrm>
+          <a:prstGeom prst="rect">
+            <a:avLst/>
+          </a:prstGeom>
+          <a:noFill/>
+        </p:spPr>
+        <p:txBody>
+          <a:bodyPr wrap="square" rtlCol="0">
+            <a:spAutoFit/>
+          </a:bodyPr>
+          <a:lstStyle/>
+          <a:p>
+            <a:r>
+              <a:rPr lang="ko-KR" altLang="en-US" sz="2400" dirty="0">
+                <a:solidFill>
+                  <a:srgbClr val="7030A0"/>
+                </a:solidFill>
+                <a:latin typeface="휴먼매직체" panose="02030504000101010101" pitchFamily="18" charset="-127"/>
+                <a:ea typeface="휴먼매직체" panose="02030504000101010101" pitchFamily="18" charset="-127"/>
+              </a:rPr>
+              <a:t>더보기를 클릭할 경우</a:t>
+            </a:r>
+            <a:r>
+              <a:rPr lang="en-US" altLang="ko-KR" sz="2400" dirty="0">
+                <a:solidFill>
+                  <a:srgbClr val="7030A0"/>
+                </a:solidFill>
+                <a:latin typeface="휴먼매직체" panose="02030504000101010101" pitchFamily="18" charset="-127"/>
+                <a:ea typeface="휴먼매직체" panose="02030504000101010101" pitchFamily="18" charset="-127"/>
+              </a:rPr>
+              <a:t>, </a:t>
+            </a:r>
+            <a:r>
+              <a:rPr lang="ko-KR" altLang="en-US" sz="2400" dirty="0">
+                <a:solidFill>
+                  <a:srgbClr val="7030A0"/>
+                </a:solidFill>
+                <a:latin typeface="휴먼매직체" panose="02030504000101010101" pitchFamily="18" charset="-127"/>
+                <a:ea typeface="휴먼매직체" panose="02030504000101010101" pitchFamily="18" charset="-127"/>
+              </a:rPr>
+              <a:t>검색과 게시판</a:t>
+            </a:r>
+            <a:r>
+              <a:rPr lang="en-US" altLang="ko-KR" sz="2400" dirty="0">
+                <a:solidFill>
+                  <a:srgbClr val="7030A0"/>
+                </a:solidFill>
+                <a:latin typeface="휴먼매직체" panose="02030504000101010101" pitchFamily="18" charset="-127"/>
+                <a:ea typeface="휴먼매직체" panose="02030504000101010101" pitchFamily="18" charset="-127"/>
+              </a:rPr>
+              <a:t>, </a:t>
+            </a:r>
+            <a:r>
+              <a:rPr lang="ko-KR" altLang="en-US" sz="2400" dirty="0">
+                <a:solidFill>
+                  <a:srgbClr val="7030A0"/>
+                </a:solidFill>
+                <a:latin typeface="휴먼매직체" panose="02030504000101010101" pitchFamily="18" charset="-127"/>
+                <a:ea typeface="휴먼매직체" panose="02030504000101010101" pitchFamily="18" charset="-127"/>
+              </a:rPr>
+              <a:t>더 공부를 할 수 있는 사이트 등이 나타난다</a:t>
+            </a:r>
+            <a:r>
+              <a:rPr lang="en-US" altLang="ko-KR" sz="2400" dirty="0">
+                <a:solidFill>
+                  <a:srgbClr val="7030A0"/>
+                </a:solidFill>
+                <a:latin typeface="휴먼매직체" panose="02030504000101010101" pitchFamily="18" charset="-127"/>
+                <a:ea typeface="휴먼매직체" panose="02030504000101010101" pitchFamily="18" charset="-127"/>
+              </a:rPr>
+              <a:t>.</a:t>
+            </a:r>
+            <a:endParaRPr lang="ko-KR" altLang="en-US" sz="2400" dirty="0">
+              <a:solidFill>
+                <a:srgbClr val="7030A0"/>
+              </a:solidFill>
+              <a:latin typeface="휴먼매직체" panose="02030504000101010101" pitchFamily="18" charset="-127"/>
+              <a:ea typeface="휴먼매직체" panose="02030504000101010101" pitchFamily="18" charset="-127"/>
+            </a:endParaRPr>
+          </a:p>
+        </p:txBody>
+      </p:sp>
+      <p:pic>
+        <p:nvPicPr>
+          <p:cNvPr id="11" name="그림 10">
+            <a:extLst>
+              <a:ext uri="{FF2B5EF4-FFF2-40B4-BE49-F238E27FC236}">
+                <a16:creationId xmlns:a16="http://schemas.microsoft.com/office/drawing/2014/main" id="{405964F9-D0E1-4411-ACFD-0D632FFBFC5A}"/>
+              </a:ext>
+            </a:extLst>
+          </p:cNvPr>
+          <p:cNvPicPr>
+            <a:picLocks noChangeAspect="1"/>
+          </p:cNvPicPr>
+          <p:nvPr/>
+        </p:nvPicPr>
+        <p:blipFill>
+          <a:blip r:embed="rId4">
+            <a:extLst>
+              <a:ext uri="{BEBA8EAE-BF5A-486C-A8C5-ECC9F3942E4B}">
+                <a14:imgProps xmlns:a14="http://schemas.microsoft.com/office/drawing/2010/main">
+                  <a14:imgLayer r:embed="rId5">
+                    <a14:imgEffect>
+                      <a14:backgroundRemoval t="10000" b="90000" l="10000" r="90000">
+                        <a14:foregroundMark x1="18198" y1="19569" x2="23570" y2="26614"/>
+                        <a14:foregroundMark x1="33795" y1="13112" x2="33102" y2="22701"/>
+                        <a14:foregroundMark x1="48007" y1="19961" x2="41421" y2="26419"/>
+                        <a14:foregroundMark x1="18891" y1="37573" x2="18891" y2="37573"/>
+                        <a14:foregroundMark x1="22704" y1="48924" x2="22704" y2="48924"/>
+                      </a14:backgroundRemoval>
+                    </a14:imgEffect>
+                  </a14:imgLayer>
+                </a14:imgProps>
+              </a:ext>
+            </a:extLst>
+          </a:blip>
+          <a:stretch>
+            <a:fillRect/>
+          </a:stretch>
+        </p:blipFill>
+        <p:spPr>
+          <a:xfrm flipH="1">
+            <a:off x="3573221" y="1486401"/>
+            <a:ext cx="710619" cy="629335"/>
           </a:xfrm>
           <a:prstGeom prst="rect">
             <a:avLst/>
@@ -4243,11 +4239,19 @@
           </a:xfrm>
         </p:spPr>
         <p:txBody>
-          <a:bodyPr/>
-          <a:lstStyle/>
-          <a:p>
-            <a:r>
-              <a:rPr lang="ko-KR" altLang="en-US" dirty="0"/>
+          <a:bodyPr>
+            <a:normAutofit/>
+          </a:bodyPr>
+          <a:lstStyle/>
+          <a:p>
+            <a:r>
+              <a:rPr lang="ko-KR" altLang="en-US" sz="4800" dirty="0">
+                <a:solidFill>
+                  <a:srgbClr val="7030A0"/>
+                </a:solidFill>
+                <a:latin typeface="휴먼매직체" panose="02030504000101010101" pitchFamily="18" charset="-127"/>
+                <a:ea typeface="휴먼매직체" panose="02030504000101010101" pitchFamily="18" charset="-127"/>
+              </a:rPr>
               <a:t>게시판</a:t>
             </a:r>
           </a:p>
@@ -4357,10 +4361,10 @@
       </p:cxnSp>
       <p:sp>
         <p:nvSpPr>
-          <p:cNvPr id="9" name="TextBox 8">
-            <a:extLst>
-              <a:ext uri="{FF2B5EF4-FFF2-40B4-BE49-F238E27FC236}">
-                <a16:creationId xmlns:a16="http://schemas.microsoft.com/office/drawing/2014/main" id="{EDACB2D7-455D-4492-9C3E-381DA8FFC3D6}"/>
+          <p:cNvPr id="11" name="TextBox 10">
+            <a:extLst>
+              <a:ext uri="{FF2B5EF4-FFF2-40B4-BE49-F238E27FC236}">
+                <a16:creationId xmlns:a16="http://schemas.microsoft.com/office/drawing/2014/main" id="{9CA4B96D-1D16-4325-A96A-4E51978C9D7D}"/>
               </a:ext>
             </a:extLst>
           </p:cNvPr>
@@ -4369,8 +4373,8 @@
         </p:nvSpPr>
         <p:spPr>
           <a:xfrm>
-            <a:off x="1842060" y="2424591"/>
-            <a:ext cx="702733" cy="369332"/>
+            <a:off x="287864" y="6210064"/>
+            <a:ext cx="9160934" cy="461665"/>
           </a:xfrm>
           <a:prstGeom prst="rect">
             <a:avLst/>
@@ -4384,12 +4388,103 @@
           <a:lstStyle/>
           <a:p>
             <a:r>
-              <a:rPr lang="ko-KR" altLang="en-US" dirty="0"/>
-              <a:t>클릭</a:t>
-            </a:r>
-          </a:p>
-        </p:txBody>
-      </p:sp>
+              <a:rPr lang="ko-KR" altLang="en-US" sz="2400" dirty="0">
+                <a:solidFill>
+                  <a:srgbClr val="7030A0"/>
+                </a:solidFill>
+                <a:latin typeface="휴먼매직체" panose="02030504000101010101" pitchFamily="18" charset="-127"/>
+                <a:ea typeface="휴먼매직체" panose="02030504000101010101" pitchFamily="18" charset="-127"/>
+              </a:rPr>
+              <a:t>더보기에서 </a:t>
+            </a:r>
+            <a:r>
+              <a:rPr lang="en-US" altLang="ko-KR" sz="2400" dirty="0">
+                <a:solidFill>
+                  <a:srgbClr val="7030A0"/>
+                </a:solidFill>
+                <a:latin typeface="휴먼매직체" panose="02030504000101010101" pitchFamily="18" charset="-127"/>
+                <a:ea typeface="휴먼매직체" panose="02030504000101010101" pitchFamily="18" charset="-127"/>
+              </a:rPr>
+              <a:t>board</a:t>
+            </a:r>
+            <a:r>
+              <a:rPr lang="ko-KR" altLang="en-US" sz="2400" dirty="0">
+                <a:solidFill>
+                  <a:srgbClr val="7030A0"/>
+                </a:solidFill>
+                <a:latin typeface="휴먼매직체" panose="02030504000101010101" pitchFamily="18" charset="-127"/>
+                <a:ea typeface="휴먼매직체" panose="02030504000101010101" pitchFamily="18" charset="-127"/>
+              </a:rPr>
+              <a:t>를 클릭하면 게시판으로 이동한다</a:t>
+            </a:r>
+            <a:r>
+              <a:rPr lang="en-US" altLang="ko-KR" sz="2400" dirty="0">
+                <a:solidFill>
+                  <a:srgbClr val="7030A0"/>
+                </a:solidFill>
+                <a:latin typeface="휴먼매직체" panose="02030504000101010101" pitchFamily="18" charset="-127"/>
+                <a:ea typeface="휴먼매직체" panose="02030504000101010101" pitchFamily="18" charset="-127"/>
+              </a:rPr>
+              <a:t>.</a:t>
+            </a:r>
+            <a:endParaRPr lang="ko-KR" altLang="en-US" sz="2400" dirty="0">
+              <a:solidFill>
+                <a:srgbClr val="7030A0"/>
+              </a:solidFill>
+              <a:latin typeface="휴먼매직체" panose="02030504000101010101" pitchFamily="18" charset="-127"/>
+              <a:ea typeface="휴먼매직체" panose="02030504000101010101" pitchFamily="18" charset="-127"/>
+            </a:endParaRPr>
+          </a:p>
+        </p:txBody>
+      </p:sp>
+      <p:pic>
+        <p:nvPicPr>
+          <p:cNvPr id="12" name="그림 11">
+            <a:extLst>
+              <a:ext uri="{FF2B5EF4-FFF2-40B4-BE49-F238E27FC236}">
+                <a16:creationId xmlns:a16="http://schemas.microsoft.com/office/drawing/2014/main" id="{C8D2507E-FC1E-49FF-B8BB-98A1739773A4}"/>
+              </a:ext>
+            </a:extLst>
+          </p:cNvPr>
+          <p:cNvPicPr>
+            <a:picLocks noChangeAspect="1"/>
+          </p:cNvPicPr>
+          <p:nvPr/>
+        </p:nvPicPr>
+        <p:blipFill>
+          <a:blip r:embed="rId4">
+            <a:extLst>
+              <a:ext uri="{BEBA8EAE-BF5A-486C-A8C5-ECC9F3942E4B}">
+                <a14:imgProps xmlns:a14="http://schemas.microsoft.com/office/drawing/2010/main">
+                  <a14:imgLayer r:embed="rId5">
+                    <a14:imgEffect>
+                      <a14:backgroundRemoval t="10000" b="90000" l="10000" r="90000">
+                        <a14:foregroundMark x1="18198" y1="19569" x2="23570" y2="26614"/>
+                        <a14:foregroundMark x1="33795" y1="13112" x2="33102" y2="22701"/>
+                        <a14:foregroundMark x1="48007" y1="19961" x2="41421" y2="26419"/>
+                        <a14:foregroundMark x1="18891" y1="37573" x2="18891" y2="37573"/>
+                        <a14:foregroundMark x1="22704" y1="48924" x2="22704" y2="48924"/>
+                      </a14:backgroundRemoval>
+                    </a14:imgEffect>
+                  </a14:imgLayer>
+                </a14:imgProps>
+              </a:ext>
+            </a:extLst>
+          </a:blip>
+          <a:stretch>
+            <a:fillRect/>
+          </a:stretch>
+        </p:blipFill>
+        <p:spPr>
+          <a:xfrm flipH="1">
+            <a:off x="34967" y="2057726"/>
+            <a:ext cx="710619" cy="629335"/>
+          </a:xfrm>
+          <a:prstGeom prst="rect">
+            <a:avLst/>
+          </a:prstGeom>
+        </p:spPr>
+      </p:pic>
     </p:spTree>
     <p:extLst>
       <p:ext uri="{BB962C8B-B14F-4D97-AF65-F5344CB8AC3E}">
@@ -4406,265 +4501,14 @@
 <file path=ppt/slides/slide5.xml><?xml version="1.0" encoding="utf-8"?>
 <p:sld xmlns:a="http://schemas.openxmlformats.org/drawingml/2006/main" xmlns:r="http://schemas.openxmlformats.org/officeDocument/2006/relationships" xmlns:p="http://schemas.openxmlformats.org/presentationml/2006/main">
   <p:cSld>
-    <p:spTree>
-      <p:nvGrpSpPr>
-        <p:cNvPr id="1" name=""/>
-        <p:cNvGrpSpPr/>
-        <p:nvPr/>
-      </p:nvGrpSpPr>
-      <p:grpSpPr>
-        <a:xfrm>
-          <a:off x="0" y="0"/>
-          <a:ext cx="0" cy="0"/>
-          <a:chOff x="0" y="0"/>
-          <a:chExt cx="0" cy="0"/>
-        </a:xfrm>
-      </p:grpSpPr>
-      <p:pic>
-        <p:nvPicPr>
-          <p:cNvPr id="4" name="그림 3">
-            <a:extLst>
-              <a:ext uri="{FF2B5EF4-FFF2-40B4-BE49-F238E27FC236}">
-                <a16:creationId xmlns:a16="http://schemas.microsoft.com/office/drawing/2014/main" id="{0400EF2D-4E25-48FB-844D-F6A8383CFF71}"/>
-              </a:ext>
-            </a:extLst>
-          </p:cNvPr>
-          <p:cNvPicPr>
-            <a:picLocks noChangeAspect="1"/>
-          </p:cNvPicPr>
-          <p:nvPr/>
-        </p:nvPicPr>
-        <p:blipFill>
-          <a:blip r:embed="rId2"/>
-          <a:stretch>
-            <a:fillRect/>
-          </a:stretch>
-        </p:blipFill>
-        <p:spPr>
-          <a:xfrm>
-            <a:off x="5500298" y="3429000"/>
-            <a:ext cx="6111551" cy="3257027"/>
-          </a:xfrm>
-          <a:prstGeom prst="rect">
-            <a:avLst/>
-          </a:prstGeom>
-        </p:spPr>
-      </p:pic>
-      <p:pic>
-        <p:nvPicPr>
-          <p:cNvPr id="16" name="그림 15">
-            <a:extLst>
-              <a:ext uri="{FF2B5EF4-FFF2-40B4-BE49-F238E27FC236}">
-                <a16:creationId xmlns:a16="http://schemas.microsoft.com/office/drawing/2014/main" id="{9BF08696-98CD-445C-851E-64BD8810F059}"/>
-              </a:ext>
-            </a:extLst>
-          </p:cNvPr>
-          <p:cNvPicPr>
-            <a:picLocks noChangeAspect="1"/>
-          </p:cNvPicPr>
-          <p:nvPr/>
-        </p:nvPicPr>
-        <p:blipFill rotWithShape="1">
-          <a:blip r:embed="rId3"/>
-          <a:srcRect l="15996" t="12561" r="15785"/>
-          <a:stretch/>
-        </p:blipFill>
-        <p:spPr>
-          <a:xfrm>
-            <a:off x="397774" y="1053517"/>
-            <a:ext cx="7268547" cy="2595929"/>
-          </a:xfrm>
-          <a:prstGeom prst="rect">
-            <a:avLst/>
-          </a:prstGeom>
-        </p:spPr>
-      </p:pic>
-      <p:sp>
-        <p:nvSpPr>
-          <p:cNvPr id="2" name="제목 1">
-            <a:extLst>
-              <a:ext uri="{FF2B5EF4-FFF2-40B4-BE49-F238E27FC236}">
-                <a16:creationId xmlns:a16="http://schemas.microsoft.com/office/drawing/2014/main" id="{38E2AA90-96DB-4628-A2EF-87A25CF37ABD}"/>
-              </a:ext>
-            </a:extLst>
-          </p:cNvPr>
-          <p:cNvSpPr>
-            <a:spLocks noGrp="1"/>
-          </p:cNvSpPr>
-          <p:nvPr>
-            <p:ph type="title"/>
-          </p:nvPr>
-        </p:nvSpPr>
-        <p:spPr>
-          <a:xfrm>
-            <a:off x="242498" y="153683"/>
-            <a:ext cx="10515600" cy="871009"/>
-          </a:xfrm>
-        </p:spPr>
-        <p:txBody>
-          <a:bodyPr/>
-          <a:lstStyle/>
-          <a:p>
-            <a:r>
-              <a:rPr lang="ko-KR" altLang="en-US" dirty="0"/>
-              <a:t>게시판 글쓰기</a:t>
-            </a:r>
-          </a:p>
-        </p:txBody>
-      </p:sp>
-      <p:sp>
-        <p:nvSpPr>
-          <p:cNvPr id="6" name="원형: 비어 있음 5">
-            <a:extLst>
-              <a:ext uri="{FF2B5EF4-FFF2-40B4-BE49-F238E27FC236}">
-                <a16:creationId xmlns:a16="http://schemas.microsoft.com/office/drawing/2014/main" id="{6DF6C3D8-9503-4EAA-8251-16C9985D618F}"/>
-              </a:ext>
-            </a:extLst>
-          </p:cNvPr>
-          <p:cNvSpPr/>
-          <p:nvPr/>
-        </p:nvSpPr>
-        <p:spPr>
-          <a:xfrm>
-            <a:off x="3654157" y="3263900"/>
-            <a:ext cx="567267" cy="330200"/>
-          </a:xfrm>
-          <a:prstGeom prst="donut">
-            <a:avLst>
-              <a:gd name="adj" fmla="val 4545"/>
-            </a:avLst>
-          </a:prstGeom>
-          <a:solidFill>
-            <a:srgbClr val="CBBFE9"/>
-          </a:solidFill>
-          <a:ln>
-            <a:solidFill>
-              <a:srgbClr val="7030A0"/>
-            </a:solidFill>
-          </a:ln>
-        </p:spPr>
-        <p:style>
-          <a:lnRef idx="2">
-            <a:schemeClr val="accent1">
-              <a:shade val="50000"/>
-            </a:schemeClr>
-          </a:lnRef>
-          <a:fillRef idx="1">
-            <a:schemeClr val="accent1"/>
-          </a:fillRef>
-          <a:effectRef idx="0">
-            <a:schemeClr val="accent1"/>
-          </a:effectRef>
-          <a:fontRef idx="minor">
-            <a:schemeClr val="lt1"/>
-          </a:fontRef>
-        </p:style>
-        <p:txBody>
-          <a:bodyPr rtlCol="0" anchor="ctr"/>
-          <a:lstStyle/>
-          <a:p>
-            <a:pPr algn="ctr"/>
-            <a:endParaRPr lang="ko-KR" altLang="en-US" dirty="0">
-              <a:solidFill>
-                <a:schemeClr val="tx1"/>
-              </a:solidFill>
-            </a:endParaRPr>
-          </a:p>
-        </p:txBody>
-      </p:sp>
-      <p:cxnSp>
-        <p:nvCxnSpPr>
-          <p:cNvPr id="8" name="직선 화살표 연결선 7">
-            <a:extLst>
-              <a:ext uri="{FF2B5EF4-FFF2-40B4-BE49-F238E27FC236}">
-                <a16:creationId xmlns:a16="http://schemas.microsoft.com/office/drawing/2014/main" id="{1391AD17-B54D-4AD4-A972-869A97D418E7}"/>
-              </a:ext>
-            </a:extLst>
-          </p:cNvPr>
-          <p:cNvCxnSpPr>
-            <a:cxnSpLocks/>
-            <a:stCxn id="6" idx="6"/>
-          </p:cNvCxnSpPr>
-          <p:nvPr/>
-        </p:nvCxnSpPr>
-        <p:spPr>
-          <a:xfrm>
-            <a:off x="4221424" y="3429000"/>
-            <a:ext cx="1333327" cy="1404257"/>
-          </a:xfrm>
-          <a:prstGeom prst="straightConnector1">
-            <a:avLst/>
-          </a:prstGeom>
-          <a:ln>
-            <a:tailEnd type="triangle"/>
-          </a:ln>
-        </p:spPr>
-        <p:style>
-          <a:lnRef idx="1">
-            <a:schemeClr val="accent1"/>
-          </a:lnRef>
-          <a:fillRef idx="0">
-            <a:schemeClr val="accent1"/>
-          </a:fillRef>
-          <a:effectRef idx="0">
-            <a:schemeClr val="accent1"/>
-          </a:effectRef>
-          <a:fontRef idx="minor">
-            <a:schemeClr val="tx1"/>
-          </a:fontRef>
-        </p:style>
-      </p:cxnSp>
-      <p:sp>
-        <p:nvSpPr>
-          <p:cNvPr id="9" name="TextBox 8">
-            <a:extLst>
-              <a:ext uri="{FF2B5EF4-FFF2-40B4-BE49-F238E27FC236}">
-                <a16:creationId xmlns:a16="http://schemas.microsoft.com/office/drawing/2014/main" id="{EDACB2D7-455D-4492-9C3E-381DA8FFC3D6}"/>
-              </a:ext>
-            </a:extLst>
-          </p:cNvPr>
-          <p:cNvSpPr txBox="1"/>
-          <p:nvPr/>
-        </p:nvSpPr>
-        <p:spPr>
-          <a:xfrm>
-            <a:off x="4426639" y="3814546"/>
-            <a:ext cx="702733" cy="369332"/>
-          </a:xfrm>
-          <a:prstGeom prst="rect">
-            <a:avLst/>
-          </a:prstGeom>
-          <a:noFill/>
-        </p:spPr>
-        <p:txBody>
-          <a:bodyPr wrap="square" rtlCol="0">
-            <a:spAutoFit/>
-          </a:bodyPr>
-          <a:lstStyle/>
-          <a:p>
-            <a:r>
-              <a:rPr lang="ko-KR" altLang="en-US" dirty="0"/>
-              <a:t>클릭</a:t>
-            </a:r>
-          </a:p>
-        </p:txBody>
-      </p:sp>
-    </p:spTree>
-    <p:extLst>
-      <p:ext uri="{BB962C8B-B14F-4D97-AF65-F5344CB8AC3E}">
-        <p14:creationId xmlns:p14="http://schemas.microsoft.com/office/powerpoint/2010/main" val="1458447144"/>
-      </p:ext>
-    </p:extLst>
-  </p:cSld>
-  <p:clrMapOvr>
-    <a:masterClrMapping/>
-  </p:clrMapOvr>
-</p:sld>
-</file>
-
-<file path=ppt/slides/slide6.xml><?xml version="1.0" encoding="utf-8"?>
-<p:sld xmlns:a="http://schemas.openxmlformats.org/drawingml/2006/main" xmlns:r="http://schemas.openxmlformats.org/officeDocument/2006/relationships" xmlns:p="http://schemas.openxmlformats.org/presentationml/2006/main">
-  <p:cSld>
+    <p:bg>
+      <p:bgPr>
+        <a:solidFill>
+          <a:srgbClr val="F5F5F5"/>
+        </a:solidFill>
+        <a:effectLst/>
+      </p:bgPr>
+    </p:bg>
     <p:spTree>
       <p:nvGrpSpPr>
         <p:cNvPr id="1" name=""/>
@@ -4731,11 +4575,19 @@
           </a:xfrm>
         </p:spPr>
         <p:txBody>
-          <a:bodyPr/>
-          <a:lstStyle/>
-          <a:p>
-            <a:r>
-              <a:rPr lang="ko-KR" altLang="en-US" dirty="0"/>
+          <a:bodyPr>
+            <a:normAutofit/>
+          </a:bodyPr>
+          <a:lstStyle/>
+          <a:p>
+            <a:r>
+              <a:rPr lang="ko-KR" altLang="en-US" sz="4800" dirty="0">
+                <a:solidFill>
+                  <a:srgbClr val="7030A0"/>
+                </a:solidFill>
+                <a:latin typeface="휴먼매직체" panose="02030504000101010101" pitchFamily="18" charset="-127"/>
+                <a:ea typeface="휴먼매직체" panose="02030504000101010101" pitchFamily="18" charset="-127"/>
+              </a:rPr>
               <a:t>게시판 글쓰기</a:t>
             </a:r>
           </a:p>
@@ -5059,6 +4911,152 @@
           </a:prstGeom>
         </p:spPr>
       </p:pic>
+      <p:sp>
+        <p:nvSpPr>
+          <p:cNvPr id="17" name="TextBox 16">
+            <a:extLst>
+              <a:ext uri="{FF2B5EF4-FFF2-40B4-BE49-F238E27FC236}">
+                <a16:creationId xmlns:a16="http://schemas.microsoft.com/office/drawing/2014/main" id="{AF87E2C4-E99E-45D8-B751-1A89342888B1}"/>
+              </a:ext>
+            </a:extLst>
+          </p:cNvPr>
+          <p:cNvSpPr txBox="1"/>
+          <p:nvPr/>
+        </p:nvSpPr>
+        <p:spPr>
+          <a:xfrm>
+            <a:off x="3742798" y="578559"/>
+            <a:ext cx="9160934" cy="461665"/>
+          </a:xfrm>
+          <a:prstGeom prst="rect">
+            <a:avLst/>
+          </a:prstGeom>
+          <a:noFill/>
+        </p:spPr>
+        <p:txBody>
+          <a:bodyPr wrap="square" rtlCol="0">
+            <a:spAutoFit/>
+          </a:bodyPr>
+          <a:lstStyle/>
+          <a:p>
+            <a:r>
+              <a:rPr lang="ko-KR" altLang="en-US" sz="2400" dirty="0">
+                <a:solidFill>
+                  <a:srgbClr val="7030A0"/>
+                </a:solidFill>
+                <a:latin typeface="휴먼매직체" panose="02030504000101010101" pitchFamily="18" charset="-127"/>
+                <a:ea typeface="휴먼매직체" panose="02030504000101010101" pitchFamily="18" charset="-127"/>
+              </a:rPr>
+              <a:t>게시판에서 글쓰기 버튼을 누르게 되면 직접 글을 작성할 수 있게 된다</a:t>
+            </a:r>
+            <a:r>
+              <a:rPr lang="en-US" altLang="ko-KR" sz="2400" dirty="0">
+                <a:solidFill>
+                  <a:srgbClr val="7030A0"/>
+                </a:solidFill>
+                <a:latin typeface="휴먼매직체" panose="02030504000101010101" pitchFamily="18" charset="-127"/>
+                <a:ea typeface="휴먼매직체" panose="02030504000101010101" pitchFamily="18" charset="-127"/>
+              </a:rPr>
+              <a:t>.</a:t>
+            </a:r>
+            <a:endParaRPr lang="ko-KR" altLang="en-US" sz="2400" dirty="0">
+              <a:solidFill>
+                <a:srgbClr val="7030A0"/>
+              </a:solidFill>
+              <a:latin typeface="휴먼매직체" panose="02030504000101010101" pitchFamily="18" charset="-127"/>
+              <a:ea typeface="휴먼매직체" panose="02030504000101010101" pitchFamily="18" charset="-127"/>
+            </a:endParaRPr>
+          </a:p>
+        </p:txBody>
+      </p:sp>
+      <p:sp>
+        <p:nvSpPr>
+          <p:cNvPr id="18" name="TextBox 17">
+            <a:extLst>
+              <a:ext uri="{FF2B5EF4-FFF2-40B4-BE49-F238E27FC236}">
+                <a16:creationId xmlns:a16="http://schemas.microsoft.com/office/drawing/2014/main" id="{6DD04432-A5BA-4750-B9F1-BA0590B3DA68}"/>
+              </a:ext>
+            </a:extLst>
+          </p:cNvPr>
+          <p:cNvSpPr txBox="1"/>
+          <p:nvPr/>
+        </p:nvSpPr>
+        <p:spPr>
+          <a:xfrm>
+            <a:off x="27096" y="4777919"/>
+            <a:ext cx="9160934" cy="461665"/>
+          </a:xfrm>
+          <a:prstGeom prst="rect">
+            <a:avLst/>
+          </a:prstGeom>
+          <a:noFill/>
+        </p:spPr>
+        <p:txBody>
+          <a:bodyPr wrap="square" rtlCol="0">
+            <a:spAutoFit/>
+          </a:bodyPr>
+          <a:lstStyle/>
+          <a:p>
+            <a:r>
+              <a:rPr lang="ko-KR" altLang="en-US" sz="2400" dirty="0">
+                <a:solidFill>
+                  <a:srgbClr val="7030A0"/>
+                </a:solidFill>
+                <a:latin typeface="휴먼매직체" panose="02030504000101010101" pitchFamily="18" charset="-127"/>
+                <a:ea typeface="휴먼매직체" panose="02030504000101010101" pitchFamily="18" charset="-127"/>
+              </a:rPr>
+              <a:t>글을 다 작성하고 저장버튼을 누르면 내용이 저장되면서 메시지가 함께 뜬다</a:t>
+            </a:r>
+            <a:r>
+              <a:rPr lang="en-US" altLang="ko-KR" sz="2400" dirty="0">
+                <a:solidFill>
+                  <a:srgbClr val="7030A0"/>
+                </a:solidFill>
+                <a:latin typeface="휴먼매직체" panose="02030504000101010101" pitchFamily="18" charset="-127"/>
+                <a:ea typeface="휴먼매직체" panose="02030504000101010101" pitchFamily="18" charset="-127"/>
+              </a:rPr>
+              <a:t>.</a:t>
+            </a:r>
+            <a:endParaRPr lang="ko-KR" altLang="en-US" sz="2400" dirty="0">
+              <a:solidFill>
+                <a:srgbClr val="7030A0"/>
+              </a:solidFill>
+              <a:latin typeface="휴먼매직체" panose="02030504000101010101" pitchFamily="18" charset="-127"/>
+              <a:ea typeface="휴먼매직체" panose="02030504000101010101" pitchFamily="18" charset="-127"/>
+            </a:endParaRPr>
+          </a:p>
+        </p:txBody>
+      </p:sp>
+      <p:pic>
+        <p:nvPicPr>
+          <p:cNvPr id="4" name="그림 3">
+            <a:extLst>
+              <a:ext uri="{FF2B5EF4-FFF2-40B4-BE49-F238E27FC236}">
+                <a16:creationId xmlns:a16="http://schemas.microsoft.com/office/drawing/2014/main" id="{FF863C64-BA69-456F-BE60-74904F86B76B}"/>
+              </a:ext>
+            </a:extLst>
+          </p:cNvPr>
+          <p:cNvPicPr>
+            <a:picLocks noChangeAspect="1"/>
+          </p:cNvPicPr>
+          <p:nvPr/>
+        </p:nvPicPr>
+        <p:blipFill>
+          <a:blip r:embed="rId7"/>
+          <a:stretch>
+            <a:fillRect/>
+          </a:stretch>
+        </p:blipFill>
+        <p:spPr>
+          <a:xfrm>
+            <a:off x="1232502" y="5484947"/>
+            <a:ext cx="4267796" cy="1219370"/>
+          </a:xfrm>
+          <a:prstGeom prst="rect">
+            <a:avLst/>
+          </a:prstGeom>
+        </p:spPr>
+      </p:pic>
     </p:spTree>
     <p:extLst>
       <p:ext uri="{BB962C8B-B14F-4D97-AF65-F5344CB8AC3E}">
@@ -5072,9 +5070,17 @@
 </p:sld>
 </file>
 
-<file path=ppt/slides/slide7.xml><?xml version="1.0" encoding="utf-8"?>
+<file path=ppt/slides/slide6.xml><?xml version="1.0" encoding="utf-8"?>
 <p:sld xmlns:a="http://schemas.openxmlformats.org/drawingml/2006/main" xmlns:r="http://schemas.openxmlformats.org/officeDocument/2006/relationships" xmlns:p="http://schemas.openxmlformats.org/presentationml/2006/main">
   <p:cSld>
+    <p:bg>
+      <p:bgPr>
+        <a:solidFill>
+          <a:srgbClr val="F5F5F5"/>
+        </a:solidFill>
+        <a:effectLst/>
+      </p:bgPr>
+    </p:bg>
     <p:spTree>
       <p:nvGrpSpPr>
         <p:cNvPr id="1" name=""/>
@@ -5145,8 +5151,18 @@
           <a:lstStyle/>
           <a:p>
             <a:r>
+              <a:rPr lang="ko-KR" altLang="en-US" sz="4800" dirty="0">
+                <a:solidFill>
+                  <a:srgbClr val="7030A0"/>
+                </a:solidFill>
+                <a:latin typeface="휴먼매직체" panose="02030504000101010101" pitchFamily="18" charset="-127"/>
+                <a:ea typeface="휴먼매직체" panose="02030504000101010101" pitchFamily="18" charset="-127"/>
+              </a:rPr>
+              <a:t>게시글</a:t>
+            </a:r>
+            <a:r>
               <a:rPr lang="ko-KR" altLang="en-US" dirty="0"/>
-              <a:t>게시글 </a:t>
+              <a:t> </a:t>
             </a:r>
           </a:p>
         </p:txBody>
@@ -5343,6 +5359,84 @@
           </a:p>
         </p:txBody>
       </p:sp>
+      <p:sp>
+        <p:nvSpPr>
+          <p:cNvPr id="8" name="TextBox 7">
+            <a:extLst>
+              <a:ext uri="{FF2B5EF4-FFF2-40B4-BE49-F238E27FC236}">
+                <a16:creationId xmlns:a16="http://schemas.microsoft.com/office/drawing/2014/main" id="{342D3FBA-4FDC-4B2A-B04C-9F1C6844ECD9}"/>
+              </a:ext>
+            </a:extLst>
+          </p:cNvPr>
+          <p:cNvSpPr txBox="1"/>
+          <p:nvPr/>
+        </p:nvSpPr>
+        <p:spPr>
+          <a:xfrm>
+            <a:off x="2074331" y="553021"/>
+            <a:ext cx="9160934" cy="461665"/>
+          </a:xfrm>
+          <a:prstGeom prst="rect">
+            <a:avLst/>
+          </a:prstGeom>
+          <a:noFill/>
+        </p:spPr>
+        <p:txBody>
+          <a:bodyPr wrap="square" rtlCol="0">
+            <a:spAutoFit/>
+          </a:bodyPr>
+          <a:lstStyle/>
+          <a:p>
+            <a:r>
+              <a:rPr lang="ko-KR" altLang="en-US" sz="2400" dirty="0">
+                <a:solidFill>
+                  <a:srgbClr val="7030A0"/>
+                </a:solidFill>
+                <a:latin typeface="휴먼매직체" panose="02030504000101010101" pitchFamily="18" charset="-127"/>
+                <a:ea typeface="휴먼매직체" panose="02030504000101010101" pitchFamily="18" charset="-127"/>
+              </a:rPr>
+              <a:t>만약 게시글을 보고 싶다면</a:t>
+            </a:r>
+            <a:r>
+              <a:rPr lang="en-US" altLang="ko-KR" sz="2400" dirty="0">
+                <a:solidFill>
+                  <a:srgbClr val="7030A0"/>
+                </a:solidFill>
+                <a:latin typeface="휴먼매직체" panose="02030504000101010101" pitchFamily="18" charset="-127"/>
+                <a:ea typeface="휴먼매직체" panose="02030504000101010101" pitchFamily="18" charset="-127"/>
+              </a:rPr>
+              <a:t>, </a:t>
+            </a:r>
+            <a:r>
+              <a:rPr lang="ko-KR" altLang="en-US" sz="2400" dirty="0">
+                <a:solidFill>
+                  <a:srgbClr val="7030A0"/>
+                </a:solidFill>
+                <a:latin typeface="휴먼매직체" panose="02030504000101010101" pitchFamily="18" charset="-127"/>
+                <a:ea typeface="휴먼매직체" panose="02030504000101010101" pitchFamily="18" charset="-127"/>
+              </a:rPr>
+              <a:t>제목을 눌러서 게시글 화면을 볼 수 있다</a:t>
+            </a:r>
+            <a:r>
+              <a:rPr lang="en-US" altLang="ko-KR" sz="2400" dirty="0">
+                <a:solidFill>
+                  <a:srgbClr val="7030A0"/>
+                </a:solidFill>
+                <a:latin typeface="휴먼매직체" panose="02030504000101010101" pitchFamily="18" charset="-127"/>
+                <a:ea typeface="휴먼매직체" panose="02030504000101010101" pitchFamily="18" charset="-127"/>
+              </a:rPr>
+              <a:t>.</a:t>
+            </a:r>
+            <a:endParaRPr lang="ko-KR" altLang="en-US" sz="2400" dirty="0">
+              <a:solidFill>
+                <a:srgbClr val="7030A0"/>
+              </a:solidFill>
+              <a:latin typeface="휴먼매직체" panose="02030504000101010101" pitchFamily="18" charset="-127"/>
+              <a:ea typeface="휴먼매직체" panose="02030504000101010101" pitchFamily="18" charset="-127"/>
+            </a:endParaRPr>
+          </a:p>
+        </p:txBody>
+      </p:sp>
     </p:spTree>
     <p:extLst>
       <p:ext uri="{BB962C8B-B14F-4D97-AF65-F5344CB8AC3E}">
@@ -5356,9 +5450,17 @@
 </p:sld>
 </file>
 
-<file path=ppt/slides/slide8.xml><?xml version="1.0" encoding="utf-8"?>
+<file path=ppt/slides/slide7.xml><?xml version="1.0" encoding="utf-8"?>
 <p:sld xmlns:a="http://schemas.openxmlformats.org/drawingml/2006/main" xmlns:r="http://schemas.openxmlformats.org/officeDocument/2006/relationships" xmlns:p="http://schemas.openxmlformats.org/presentationml/2006/main">
   <p:cSld>
+    <p:bg>
+      <p:bgPr>
+        <a:solidFill>
+          <a:srgbClr val="F5F5F5"/>
+        </a:solidFill>
+        <a:effectLst/>
+      </p:bgPr>
+    </p:bg>
     <p:spTree>
       <p:nvGrpSpPr>
         <p:cNvPr id="1" name=""/>
@@ -5426,11 +5528,19 @@
           </a:xfrm>
         </p:spPr>
         <p:txBody>
-          <a:bodyPr/>
-          <a:lstStyle/>
-          <a:p>
-            <a:r>
-              <a:rPr lang="ko-KR" altLang="en-US" dirty="0"/>
+          <a:bodyPr>
+            <a:normAutofit/>
+          </a:bodyPr>
+          <a:lstStyle/>
+          <a:p>
+            <a:r>
+              <a:rPr lang="ko-KR" altLang="en-US" sz="5400" dirty="0">
+                <a:solidFill>
+                  <a:srgbClr val="7030A0"/>
+                </a:solidFill>
+                <a:latin typeface="휴먼매직체" panose="02030504000101010101" pitchFamily="18" charset="-127"/>
+                <a:ea typeface="휴먼매직체" panose="02030504000101010101" pitchFamily="18" charset="-127"/>
+              </a:rPr>
               <a:t>게시판 수정 </a:t>
             </a:r>
           </a:p>
@@ -5585,9 +5695,17 @@
 </p:sld>
 </file>
 
-<file path=ppt/slides/slide9.xml><?xml version="1.0" encoding="utf-8"?>
+<file path=ppt/slides/slide8.xml><?xml version="1.0" encoding="utf-8"?>
 <p:sld xmlns:a="http://schemas.openxmlformats.org/drawingml/2006/main" xmlns:r="http://schemas.openxmlformats.org/officeDocument/2006/relationships" xmlns:p="http://schemas.openxmlformats.org/presentationml/2006/main">
   <p:cSld>
+    <p:bg>
+      <p:bgPr>
+        <a:solidFill>
+          <a:srgbClr val="F5F5F5"/>
+        </a:solidFill>
+        <a:effectLst/>
+      </p:bgPr>
+    </p:bg>
     <p:spTree>
       <p:nvGrpSpPr>
         <p:cNvPr id="1" name=""/>
@@ -5650,16 +5768,24 @@
         </p:nvSpPr>
         <p:spPr>
           <a:xfrm>
-            <a:off x="242498" y="153683"/>
+            <a:off x="242498" y="301361"/>
             <a:ext cx="10515600" cy="871009"/>
           </a:xfrm>
         </p:spPr>
         <p:txBody>
-          <a:bodyPr/>
-          <a:lstStyle/>
-          <a:p>
-            <a:r>
-              <a:rPr lang="ko-KR" altLang="en-US" dirty="0"/>
+          <a:bodyPr>
+            <a:normAutofit/>
+          </a:bodyPr>
+          <a:lstStyle/>
+          <a:p>
+            <a:r>
+              <a:rPr lang="ko-KR" altLang="en-US" sz="4800" dirty="0">
+                <a:solidFill>
+                  <a:srgbClr val="7030A0"/>
+                </a:solidFill>
+                <a:latin typeface="휴먼매직체" panose="02030504000101010101" pitchFamily="18" charset="-127"/>
+                <a:ea typeface="휴먼매직체" panose="02030504000101010101" pitchFamily="18" charset="-127"/>
+              </a:rPr>
               <a:t>게시판 수정 </a:t>
             </a:r>
           </a:p>
@@ -5929,10 +6055,485 @@
           </a:p>
         </p:txBody>
       </p:sp>
+      <p:sp>
+        <p:nvSpPr>
+          <p:cNvPr id="10" name="TextBox 9">
+            <a:extLst>
+              <a:ext uri="{FF2B5EF4-FFF2-40B4-BE49-F238E27FC236}">
+                <a16:creationId xmlns:a16="http://schemas.microsoft.com/office/drawing/2014/main" id="{607739DF-C3B1-437A-84E1-4BF21E1EB33D}"/>
+              </a:ext>
+            </a:extLst>
+          </p:cNvPr>
+          <p:cNvSpPr txBox="1"/>
+          <p:nvPr/>
+        </p:nvSpPr>
+        <p:spPr>
+          <a:xfrm>
+            <a:off x="3231232" y="502291"/>
+            <a:ext cx="9160934" cy="830997"/>
+          </a:xfrm>
+          <a:prstGeom prst="rect">
+            <a:avLst/>
+          </a:prstGeom>
+          <a:noFill/>
+        </p:spPr>
+        <p:txBody>
+          <a:bodyPr wrap="square" rtlCol="0">
+            <a:spAutoFit/>
+          </a:bodyPr>
+          <a:lstStyle/>
+          <a:p>
+            <a:r>
+              <a:rPr lang="ko-KR" altLang="en-US" sz="2400" dirty="0">
+                <a:solidFill>
+                  <a:srgbClr val="7030A0"/>
+                </a:solidFill>
+                <a:latin typeface="휴먼매직체" panose="02030504000101010101" pitchFamily="18" charset="-127"/>
+                <a:ea typeface="휴먼매직체" panose="02030504000101010101" pitchFamily="18" charset="-127"/>
+              </a:rPr>
+              <a:t>게시글을 수정하고 싶다면</a:t>
+            </a:r>
+            <a:r>
+              <a:rPr lang="en-US" altLang="ko-KR" sz="2400" dirty="0">
+                <a:solidFill>
+                  <a:srgbClr val="7030A0"/>
+                </a:solidFill>
+                <a:latin typeface="휴먼매직체" panose="02030504000101010101" pitchFamily="18" charset="-127"/>
+                <a:ea typeface="휴먼매직체" panose="02030504000101010101" pitchFamily="18" charset="-127"/>
+              </a:rPr>
+              <a:t>, </a:t>
+            </a:r>
+            <a:r>
+              <a:rPr lang="ko-KR" altLang="en-US" sz="2400" dirty="0">
+                <a:solidFill>
+                  <a:srgbClr val="7030A0"/>
+                </a:solidFill>
+                <a:latin typeface="휴먼매직체" panose="02030504000101010101" pitchFamily="18" charset="-127"/>
+                <a:ea typeface="휴먼매직체" panose="02030504000101010101" pitchFamily="18" charset="-127"/>
+              </a:rPr>
+              <a:t>글 수정 버튼을 클릭하여 내용을 다시 작성한 후 </a:t>
+            </a:r>
+            <a:endParaRPr lang="en-US" altLang="ko-KR" sz="2400" dirty="0">
+              <a:solidFill>
+                <a:srgbClr val="7030A0"/>
+              </a:solidFill>
+              <a:latin typeface="휴먼매직체" panose="02030504000101010101" pitchFamily="18" charset="-127"/>
+              <a:ea typeface="휴먼매직체" panose="02030504000101010101" pitchFamily="18" charset="-127"/>
+            </a:endParaRPr>
+          </a:p>
+          <a:p>
+            <a:r>
+              <a:rPr lang="ko-KR" altLang="en-US" sz="2400" dirty="0">
+                <a:solidFill>
+                  <a:srgbClr val="7030A0"/>
+                </a:solidFill>
+                <a:latin typeface="휴먼매직체" panose="02030504000101010101" pitchFamily="18" charset="-127"/>
+                <a:ea typeface="휴먼매직체" panose="02030504000101010101" pitchFamily="18" charset="-127"/>
+              </a:rPr>
+              <a:t>저장 버튼을 누르면 글이 저장된다</a:t>
+            </a:r>
+            <a:r>
+              <a:rPr lang="en-US" altLang="ko-KR" sz="2400" dirty="0">
+                <a:solidFill>
+                  <a:srgbClr val="7030A0"/>
+                </a:solidFill>
+                <a:latin typeface="휴먼매직체" panose="02030504000101010101" pitchFamily="18" charset="-127"/>
+                <a:ea typeface="휴먼매직체" panose="02030504000101010101" pitchFamily="18" charset="-127"/>
+              </a:rPr>
+              <a:t>.</a:t>
+            </a:r>
+            <a:endParaRPr lang="ko-KR" altLang="en-US" sz="2400" dirty="0">
+              <a:solidFill>
+                <a:srgbClr val="7030A0"/>
+              </a:solidFill>
+              <a:latin typeface="휴먼매직체" panose="02030504000101010101" pitchFamily="18" charset="-127"/>
+              <a:ea typeface="휴먼매직체" panose="02030504000101010101" pitchFamily="18" charset="-127"/>
+            </a:endParaRPr>
+          </a:p>
+        </p:txBody>
+      </p:sp>
     </p:spTree>
     <p:extLst>
       <p:ext uri="{BB962C8B-B14F-4D97-AF65-F5344CB8AC3E}">
         <p14:creationId xmlns:p14="http://schemas.microsoft.com/office/powerpoint/2010/main" val="1873753387"/>
+      </p:ext>
+    </p:extLst>
+  </p:cSld>
+  <p:clrMapOvr>
+    <a:masterClrMapping/>
+  </p:clrMapOvr>
+</p:sld>
+</file>
+
+<file path=ppt/slides/slide9.xml><?xml version="1.0" encoding="utf-8"?>
+<p:sld xmlns:a="http://schemas.openxmlformats.org/drawingml/2006/main" xmlns:r="http://schemas.openxmlformats.org/officeDocument/2006/relationships" xmlns:p="http://schemas.openxmlformats.org/presentationml/2006/main">
+  <p:cSld>
+    <p:bg>
+      <p:bgPr>
+        <a:solidFill>
+          <a:srgbClr val="F5F5F5"/>
+        </a:solidFill>
+        <a:effectLst/>
+      </p:bgPr>
+    </p:bg>
+    <p:spTree>
+      <p:nvGrpSpPr>
+        <p:cNvPr id="1" name=""/>
+        <p:cNvGrpSpPr/>
+        <p:nvPr/>
+      </p:nvGrpSpPr>
+      <p:grpSpPr>
+        <a:xfrm>
+          <a:off x="0" y="0"/>
+          <a:ext cx="0" cy="0"/>
+          <a:chOff x="0" y="0"/>
+          <a:chExt cx="0" cy="0"/>
+        </a:xfrm>
+      </p:grpSpPr>
+      <p:pic>
+        <p:nvPicPr>
+          <p:cNvPr id="4" name="그림 3">
+            <a:extLst>
+              <a:ext uri="{FF2B5EF4-FFF2-40B4-BE49-F238E27FC236}">
+                <a16:creationId xmlns:a16="http://schemas.microsoft.com/office/drawing/2014/main" id="{E22755C7-95AE-4F24-885F-88D7261CF63C}"/>
+              </a:ext>
+            </a:extLst>
+          </p:cNvPr>
+          <p:cNvPicPr>
+            <a:picLocks noChangeAspect="1"/>
+          </p:cNvPicPr>
+          <p:nvPr/>
+        </p:nvPicPr>
+        <p:blipFill>
+          <a:blip r:embed="rId2"/>
+          <a:stretch>
+            <a:fillRect/>
+          </a:stretch>
+        </p:blipFill>
+        <p:spPr>
+          <a:xfrm>
+            <a:off x="503982" y="1658715"/>
+            <a:ext cx="5187918" cy="2976478"/>
+          </a:xfrm>
+          <a:prstGeom prst="rect">
+            <a:avLst/>
+          </a:prstGeom>
+        </p:spPr>
+      </p:pic>
+      <p:sp>
+        <p:nvSpPr>
+          <p:cNvPr id="2" name="제목 1">
+            <a:extLst>
+              <a:ext uri="{FF2B5EF4-FFF2-40B4-BE49-F238E27FC236}">
+                <a16:creationId xmlns:a16="http://schemas.microsoft.com/office/drawing/2014/main" id="{38E2AA90-96DB-4628-A2EF-87A25CF37ABD}"/>
+              </a:ext>
+            </a:extLst>
+          </p:cNvPr>
+          <p:cNvSpPr>
+            <a:spLocks noGrp="1"/>
+          </p:cNvSpPr>
+          <p:nvPr>
+            <p:ph type="title"/>
+          </p:nvPr>
+        </p:nvSpPr>
+        <p:spPr>
+          <a:xfrm>
+            <a:off x="271523" y="213573"/>
+            <a:ext cx="10515600" cy="871009"/>
+          </a:xfrm>
+        </p:spPr>
+        <p:txBody>
+          <a:bodyPr>
+            <a:normAutofit/>
+          </a:bodyPr>
+          <a:lstStyle/>
+          <a:p>
+            <a:r>
+              <a:rPr lang="ko-KR" altLang="en-US" sz="4800" dirty="0">
+                <a:solidFill>
+                  <a:srgbClr val="7030A0"/>
+                </a:solidFill>
+                <a:latin typeface="휴먼매직체" panose="02030504000101010101" pitchFamily="18" charset="-127"/>
+                <a:ea typeface="휴먼매직체" panose="02030504000101010101" pitchFamily="18" charset="-127"/>
+              </a:rPr>
+              <a:t>게시판 삭제 </a:t>
+            </a:r>
+          </a:p>
+        </p:txBody>
+      </p:sp>
+      <p:pic>
+        <p:nvPicPr>
+          <p:cNvPr id="9" name="그림 8">
+            <a:extLst>
+              <a:ext uri="{FF2B5EF4-FFF2-40B4-BE49-F238E27FC236}">
+                <a16:creationId xmlns:a16="http://schemas.microsoft.com/office/drawing/2014/main" id="{198F8AF2-4C0B-47CF-9F58-58CA2DA31FD6}"/>
+              </a:ext>
+            </a:extLst>
+          </p:cNvPr>
+          <p:cNvPicPr>
+            <a:picLocks noChangeAspect="1"/>
+          </p:cNvPicPr>
+          <p:nvPr/>
+        </p:nvPicPr>
+        <p:blipFill>
+          <a:blip r:embed="rId3">
+            <a:extLst>
+              <a:ext uri="{BEBA8EAE-BF5A-486C-A8C5-ECC9F3942E4B}">
+                <a14:imgProps xmlns:a14="http://schemas.microsoft.com/office/drawing/2010/main">
+                  <a14:imgLayer r:embed="rId4">
+                    <a14:imgEffect>
+                      <a14:backgroundRemoval t="10000" b="90000" l="10000" r="90000">
+                        <a14:foregroundMark x1="18198" y1="19569" x2="23570" y2="26614"/>
+                        <a14:foregroundMark x1="33795" y1="13112" x2="33102" y2="22701"/>
+                        <a14:foregroundMark x1="48007" y1="19961" x2="41421" y2="26419"/>
+                        <a14:foregroundMark x1="18891" y1="37573" x2="18891" y2="37573"/>
+                        <a14:foregroundMark x1="22704" y1="48924" x2="22704" y2="48924"/>
+                      </a14:backgroundRemoval>
+                    </a14:imgEffect>
+                  </a14:imgLayer>
+                </a14:imgProps>
+              </a:ext>
+            </a:extLst>
+          </a:blip>
+          <a:stretch>
+            <a:fillRect/>
+          </a:stretch>
+        </p:blipFill>
+        <p:spPr>
+          <a:xfrm flipH="1">
+            <a:off x="4423673" y="4397283"/>
+            <a:ext cx="710619" cy="629335"/>
+          </a:xfrm>
+          <a:prstGeom prst="rect">
+            <a:avLst/>
+          </a:prstGeom>
+        </p:spPr>
+      </p:pic>
+      <p:pic>
+        <p:nvPicPr>
+          <p:cNvPr id="5" name="그림 4">
+            <a:extLst>
+              <a:ext uri="{FF2B5EF4-FFF2-40B4-BE49-F238E27FC236}">
+                <a16:creationId xmlns:a16="http://schemas.microsoft.com/office/drawing/2014/main" id="{3ADF0FBC-8A26-43CC-8FD8-9484EBA7A86B}"/>
+              </a:ext>
+            </a:extLst>
+          </p:cNvPr>
+          <p:cNvPicPr>
+            <a:picLocks noChangeAspect="1"/>
+          </p:cNvPicPr>
+          <p:nvPr/>
+        </p:nvPicPr>
+        <p:blipFill>
+          <a:blip r:embed="rId5"/>
+          <a:stretch>
+            <a:fillRect/>
+          </a:stretch>
+        </p:blipFill>
+        <p:spPr>
+          <a:xfrm>
+            <a:off x="271523" y="4635193"/>
+            <a:ext cx="4239217" cy="1276528"/>
+          </a:xfrm>
+          <a:prstGeom prst="rect">
+            <a:avLst/>
+          </a:prstGeom>
+        </p:spPr>
+      </p:pic>
+      <p:pic>
+        <p:nvPicPr>
+          <p:cNvPr id="10" name="그림 9">
+            <a:extLst>
+              <a:ext uri="{FF2B5EF4-FFF2-40B4-BE49-F238E27FC236}">
+                <a16:creationId xmlns:a16="http://schemas.microsoft.com/office/drawing/2014/main" id="{78158CE0-0851-4E19-992F-CA6620461BD5}"/>
+              </a:ext>
+            </a:extLst>
+          </p:cNvPr>
+          <p:cNvPicPr>
+            <a:picLocks noChangeAspect="1"/>
+          </p:cNvPicPr>
+          <p:nvPr/>
+        </p:nvPicPr>
+        <p:blipFill>
+          <a:blip r:embed="rId6"/>
+          <a:stretch>
+            <a:fillRect/>
+          </a:stretch>
+        </p:blipFill>
+        <p:spPr>
+          <a:xfrm>
+            <a:off x="5691900" y="4635193"/>
+            <a:ext cx="6194709" cy="1965447"/>
+          </a:xfrm>
+          <a:prstGeom prst="rect">
+            <a:avLst/>
+          </a:prstGeom>
+        </p:spPr>
+      </p:pic>
+      <p:sp>
+        <p:nvSpPr>
+          <p:cNvPr id="13" name="화살표: 위로 굽음 12">
+            <a:extLst>
+              <a:ext uri="{FF2B5EF4-FFF2-40B4-BE49-F238E27FC236}">
+                <a16:creationId xmlns:a16="http://schemas.microsoft.com/office/drawing/2014/main" id="{DA652C4F-0C7F-4DCC-B000-A5AA76965659}"/>
+              </a:ext>
+            </a:extLst>
+          </p:cNvPr>
+          <p:cNvSpPr/>
+          <p:nvPr/>
+        </p:nvSpPr>
+        <p:spPr>
+          <a:xfrm rot="10800000" flipH="1">
+            <a:off x="6079066" y="2018361"/>
+            <a:ext cx="4165360" cy="1712891"/>
+          </a:xfrm>
+          <a:prstGeom prst="bentUpArrow">
+            <a:avLst>
+              <a:gd name="adj1" fmla="val 25000"/>
+              <a:gd name="adj2" fmla="val 33763"/>
+              <a:gd name="adj3" fmla="val 25000"/>
+            </a:avLst>
+          </a:prstGeom>
+          <a:solidFill>
+            <a:srgbClr val="CBBFE9"/>
+          </a:solidFill>
+          <a:ln>
+            <a:solidFill>
+              <a:srgbClr val="7030A0"/>
+            </a:solidFill>
+          </a:ln>
+          <a:scene3d>
+            <a:camera prst="orthographicFront">
+              <a:rot lat="21299999" lon="21299994" rev="0"/>
+            </a:camera>
+            <a:lightRig rig="threePt" dir="t"/>
+          </a:scene3d>
+        </p:spPr>
+        <p:style>
+          <a:lnRef idx="2">
+            <a:schemeClr val="accent1">
+              <a:shade val="50000"/>
+            </a:schemeClr>
+          </a:lnRef>
+          <a:fillRef idx="1">
+            <a:schemeClr val="accent1"/>
+          </a:fillRef>
+          <a:effectRef idx="0">
+            <a:schemeClr val="accent1"/>
+          </a:effectRef>
+          <a:fontRef idx="minor">
+            <a:schemeClr val="lt1"/>
+          </a:fontRef>
+        </p:style>
+        <p:txBody>
+          <a:bodyPr rtlCol="0" anchor="ctr"/>
+          <a:lstStyle/>
+          <a:p>
+            <a:pPr algn="ctr"/>
+            <a:endParaRPr lang="ko-KR" altLang="en-US" dirty="0"/>
+          </a:p>
+        </p:txBody>
+      </p:sp>
+      <p:sp>
+        <p:nvSpPr>
+          <p:cNvPr id="8" name="TextBox 7">
+            <a:extLst>
+              <a:ext uri="{FF2B5EF4-FFF2-40B4-BE49-F238E27FC236}">
+                <a16:creationId xmlns:a16="http://schemas.microsoft.com/office/drawing/2014/main" id="{FBAB6035-64FE-41A4-981C-C529A3E91406}"/>
+              </a:ext>
+            </a:extLst>
+          </p:cNvPr>
+          <p:cNvSpPr txBox="1"/>
+          <p:nvPr/>
+        </p:nvSpPr>
+        <p:spPr>
+          <a:xfrm>
+            <a:off x="345996" y="891848"/>
+            <a:ext cx="11699824" cy="830997"/>
+          </a:xfrm>
+          <a:prstGeom prst="rect">
+            <a:avLst/>
+          </a:prstGeom>
+          <a:noFill/>
+        </p:spPr>
+        <p:txBody>
+          <a:bodyPr wrap="square" rtlCol="0">
+            <a:spAutoFit/>
+          </a:bodyPr>
+          <a:lstStyle/>
+          <a:p>
+            <a:r>
+              <a:rPr lang="ko-KR" altLang="en-US" sz="2400" dirty="0">
+                <a:solidFill>
+                  <a:srgbClr val="7030A0"/>
+                </a:solidFill>
+                <a:latin typeface="휴먼매직체" panose="02030504000101010101" pitchFamily="18" charset="-127"/>
+                <a:ea typeface="휴먼매직체" panose="02030504000101010101" pitchFamily="18" charset="-127"/>
+              </a:rPr>
+              <a:t>게시글을 삭제하고 싶다면</a:t>
+            </a:r>
+            <a:r>
+              <a:rPr lang="en-US" altLang="ko-KR" sz="2400" dirty="0">
+                <a:solidFill>
+                  <a:srgbClr val="7030A0"/>
+                </a:solidFill>
+                <a:latin typeface="휴먼매직체" panose="02030504000101010101" pitchFamily="18" charset="-127"/>
+                <a:ea typeface="휴먼매직체" panose="02030504000101010101" pitchFamily="18" charset="-127"/>
+              </a:rPr>
+              <a:t>, </a:t>
+            </a:r>
+            <a:r>
+              <a:rPr lang="ko-KR" altLang="en-US" sz="2400" dirty="0">
+                <a:solidFill>
+                  <a:srgbClr val="7030A0"/>
+                </a:solidFill>
+                <a:latin typeface="휴먼매직체" panose="02030504000101010101" pitchFamily="18" charset="-127"/>
+                <a:ea typeface="휴먼매직체" panose="02030504000101010101" pitchFamily="18" charset="-127"/>
+              </a:rPr>
+              <a:t>글 삭제 버튼을 누르게 되면 메시지가 뜨면서 글이 삭제되고 게시판에서도</a:t>
+            </a:r>
+            <a:endParaRPr lang="en-US" altLang="ko-KR" sz="2400" dirty="0">
+              <a:solidFill>
+                <a:srgbClr val="7030A0"/>
+              </a:solidFill>
+              <a:latin typeface="휴먼매직체" panose="02030504000101010101" pitchFamily="18" charset="-127"/>
+              <a:ea typeface="휴먼매직체" panose="02030504000101010101" pitchFamily="18" charset="-127"/>
+            </a:endParaRPr>
+          </a:p>
+          <a:p>
+            <a:r>
+              <a:rPr lang="ko-KR" altLang="en-US" sz="2400" dirty="0">
+                <a:solidFill>
+                  <a:srgbClr val="7030A0"/>
+                </a:solidFill>
+                <a:latin typeface="휴먼매직체" panose="02030504000101010101" pitchFamily="18" charset="-127"/>
+                <a:ea typeface="휴먼매직체" panose="02030504000101010101" pitchFamily="18" charset="-127"/>
+              </a:rPr>
+              <a:t> 사라지게 된다</a:t>
+            </a:r>
+            <a:r>
+              <a:rPr lang="en-US" altLang="ko-KR" sz="2400" dirty="0">
+                <a:solidFill>
+                  <a:srgbClr val="7030A0"/>
+                </a:solidFill>
+                <a:latin typeface="휴먼매직체" panose="02030504000101010101" pitchFamily="18" charset="-127"/>
+                <a:ea typeface="휴먼매직체" panose="02030504000101010101" pitchFamily="18" charset="-127"/>
+              </a:rPr>
+              <a:t>.</a:t>
+            </a:r>
+            <a:endParaRPr lang="ko-KR" altLang="en-US" sz="2400" dirty="0">
+              <a:solidFill>
+                <a:srgbClr val="7030A0"/>
+              </a:solidFill>
+              <a:latin typeface="휴먼매직체" panose="02030504000101010101" pitchFamily="18" charset="-127"/>
+              <a:ea typeface="휴먼매직체" panose="02030504000101010101" pitchFamily="18" charset="-127"/>
+            </a:endParaRPr>
+          </a:p>
+        </p:txBody>
+      </p:sp>
+    </p:spTree>
+    <p:extLst>
+      <p:ext uri="{BB962C8B-B14F-4D97-AF65-F5344CB8AC3E}">
+        <p14:creationId xmlns:p14="http://schemas.microsoft.com/office/powerpoint/2010/main" val="4169128774"/>
       </p:ext>
     </p:extLst>
   </p:cSld>

--- a/board/2103박소영 게시판.pptx
+++ b/board/2103박소영 게시판.pptx
@@ -268,7 +268,7 @@
           <a:p>
             <a:fld id="{18C15E38-0DB2-4F22-86A1-107CC4C9BC1A}" type="datetimeFigureOut">
               <a:rPr lang="ko-KR" altLang="en-US" smtClean="0"/>
-              <a:t>2022-06-19</a:t>
+              <a:t>2022-06-26</a:t>
             </a:fld>
             <a:endParaRPr lang="ko-KR" altLang="en-US"/>
           </a:p>
@@ -466,7 +466,7 @@
           <a:p>
             <a:fld id="{18C15E38-0DB2-4F22-86A1-107CC4C9BC1A}" type="datetimeFigureOut">
               <a:rPr lang="ko-KR" altLang="en-US" smtClean="0"/>
-              <a:t>2022-06-19</a:t>
+              <a:t>2022-06-26</a:t>
             </a:fld>
             <a:endParaRPr lang="ko-KR" altLang="en-US"/>
           </a:p>
@@ -674,7 +674,7 @@
           <a:p>
             <a:fld id="{18C15E38-0DB2-4F22-86A1-107CC4C9BC1A}" type="datetimeFigureOut">
               <a:rPr lang="ko-KR" altLang="en-US" smtClean="0"/>
-              <a:t>2022-06-19</a:t>
+              <a:t>2022-06-26</a:t>
             </a:fld>
             <a:endParaRPr lang="ko-KR" altLang="en-US"/>
           </a:p>
@@ -872,7 +872,7 @@
           <a:p>
             <a:fld id="{18C15E38-0DB2-4F22-86A1-107CC4C9BC1A}" type="datetimeFigureOut">
               <a:rPr lang="ko-KR" altLang="en-US" smtClean="0"/>
-              <a:t>2022-06-19</a:t>
+              <a:t>2022-06-26</a:t>
             </a:fld>
             <a:endParaRPr lang="ko-KR" altLang="en-US"/>
           </a:p>
@@ -1147,7 +1147,7 @@
           <a:p>
             <a:fld id="{18C15E38-0DB2-4F22-86A1-107CC4C9BC1A}" type="datetimeFigureOut">
               <a:rPr lang="ko-KR" altLang="en-US" smtClean="0"/>
-              <a:t>2022-06-19</a:t>
+              <a:t>2022-06-26</a:t>
             </a:fld>
             <a:endParaRPr lang="ko-KR" altLang="en-US"/>
           </a:p>
@@ -1412,7 +1412,7 @@
           <a:p>
             <a:fld id="{18C15E38-0DB2-4F22-86A1-107CC4C9BC1A}" type="datetimeFigureOut">
               <a:rPr lang="ko-KR" altLang="en-US" smtClean="0"/>
-              <a:t>2022-06-19</a:t>
+              <a:t>2022-06-26</a:t>
             </a:fld>
             <a:endParaRPr lang="ko-KR" altLang="en-US"/>
           </a:p>
@@ -1824,7 +1824,7 @@
           <a:p>
             <a:fld id="{18C15E38-0DB2-4F22-86A1-107CC4C9BC1A}" type="datetimeFigureOut">
               <a:rPr lang="ko-KR" altLang="en-US" smtClean="0"/>
-              <a:t>2022-06-19</a:t>
+              <a:t>2022-06-26</a:t>
             </a:fld>
             <a:endParaRPr lang="ko-KR" altLang="en-US"/>
           </a:p>
@@ -1965,7 +1965,7 @@
           <a:p>
             <a:fld id="{18C15E38-0DB2-4F22-86A1-107CC4C9BC1A}" type="datetimeFigureOut">
               <a:rPr lang="ko-KR" altLang="en-US" smtClean="0"/>
-              <a:t>2022-06-19</a:t>
+              <a:t>2022-06-26</a:t>
             </a:fld>
             <a:endParaRPr lang="ko-KR" altLang="en-US"/>
           </a:p>
@@ -2078,7 +2078,7 @@
           <a:p>
             <a:fld id="{18C15E38-0DB2-4F22-86A1-107CC4C9BC1A}" type="datetimeFigureOut">
               <a:rPr lang="ko-KR" altLang="en-US" smtClean="0"/>
-              <a:t>2022-06-19</a:t>
+              <a:t>2022-06-26</a:t>
             </a:fld>
             <a:endParaRPr lang="ko-KR" altLang="en-US"/>
           </a:p>
@@ -2389,7 +2389,7 @@
           <a:p>
             <a:fld id="{18C15E38-0DB2-4F22-86A1-107CC4C9BC1A}" type="datetimeFigureOut">
               <a:rPr lang="ko-KR" altLang="en-US" smtClean="0"/>
-              <a:t>2022-06-19</a:t>
+              <a:t>2022-06-26</a:t>
             </a:fld>
             <a:endParaRPr lang="ko-KR" altLang="en-US"/>
           </a:p>
@@ -2677,7 +2677,7 @@
           <a:p>
             <a:fld id="{18C15E38-0DB2-4F22-86A1-107CC4C9BC1A}" type="datetimeFigureOut">
               <a:rPr lang="ko-KR" altLang="en-US" smtClean="0"/>
-              <a:t>2022-06-19</a:t>
+              <a:t>2022-06-26</a:t>
             </a:fld>
             <a:endParaRPr lang="ko-KR" altLang="en-US"/>
           </a:p>
@@ -2918,7 +2918,7 @@
           <a:p>
             <a:fld id="{18C15E38-0DB2-4F22-86A1-107CC4C9BC1A}" type="datetimeFigureOut">
               <a:rPr lang="ko-KR" altLang="en-US" smtClean="0"/>
-              <a:t>2022-06-19</a:t>
+              <a:t>2022-06-26</a:t>
             </a:fld>
             <a:endParaRPr lang="ko-KR" altLang="en-US"/>
           </a:p>
